--- a/Notes_Images.pptx
+++ b/Notes_Images.pptx
@@ -6,6 +6,8 @@
   </p:sldMasterIdLst>
   <p:sldIdLst>
     <p:sldId id="256" r:id="rId2"/>
+    <p:sldId id="257" r:id="rId3"/>
+    <p:sldId id="258" r:id="rId4"/>
   </p:sldIdLst>
   <p:sldSz cx="12192000" cy="6858000"/>
   <p:notesSz cx="6858000" cy="9144000"/>
@@ -3908,6 +3910,1151 @@
 </p:sld>
 </file>
 
+<file path=ppt/slides/slide2.xml><?xml version="1.0" encoding="utf-8"?>
+<p:sld xmlns:a="http://schemas.openxmlformats.org/drawingml/2006/main" xmlns:r="http://schemas.openxmlformats.org/officeDocument/2006/relationships" xmlns:p="http://schemas.openxmlformats.org/presentationml/2006/main">
+  <p:cSld>
+    <p:spTree>
+      <p:nvGrpSpPr>
+        <p:cNvPr id="1" name=""/>
+        <p:cNvGrpSpPr/>
+        <p:nvPr/>
+      </p:nvGrpSpPr>
+      <p:grpSpPr>
+        <a:xfrm>
+          <a:off x="0" y="0"/>
+          <a:ext cx="0" cy="0"/>
+          <a:chOff x="0" y="0"/>
+          <a:chExt cx="0" cy="0"/>
+        </a:xfrm>
+      </p:grpSpPr>
+      <p:sp>
+        <p:nvSpPr>
+          <p:cNvPr id="2" name="Rounded Rectangle 1">
+            <a:extLst>
+              <a:ext uri="{FF2B5EF4-FFF2-40B4-BE49-F238E27FC236}">
+                <a16:creationId xmlns:a16="http://schemas.microsoft.com/office/drawing/2014/main" id="{A07E0A19-2678-094F-8CFE-EB98A804DBB2}"/>
+              </a:ext>
+            </a:extLst>
+          </p:cNvPr>
+          <p:cNvSpPr/>
+          <p:nvPr/>
+        </p:nvSpPr>
+        <p:spPr>
+          <a:xfrm>
+            <a:off x="472611" y="328773"/>
+            <a:ext cx="7130266" cy="6030930"/>
+          </a:xfrm>
+          <a:prstGeom prst="roundRect">
+            <a:avLst>
+              <a:gd name="adj" fmla="val 9171"/>
+            </a:avLst>
+          </a:prstGeom>
+        </p:spPr>
+        <p:style>
+          <a:lnRef idx="2">
+            <a:schemeClr val="accent1">
+              <a:shade val="50000"/>
+            </a:schemeClr>
+          </a:lnRef>
+          <a:fillRef idx="1">
+            <a:schemeClr val="accent1"/>
+          </a:fillRef>
+          <a:effectRef idx="0">
+            <a:schemeClr val="accent1"/>
+          </a:effectRef>
+          <a:fontRef idx="minor">
+            <a:schemeClr val="lt1"/>
+          </a:fontRef>
+        </p:style>
+        <p:txBody>
+          <a:bodyPr rtlCol="0" anchor="ctr"/>
+          <a:lstStyle/>
+          <a:p>
+            <a:pPr algn="ctr"/>
+            <a:endParaRPr lang="en-US"/>
+          </a:p>
+        </p:txBody>
+      </p:sp>
+      <p:sp>
+        <p:nvSpPr>
+          <p:cNvPr id="3" name="TextBox 2">
+            <a:extLst>
+              <a:ext uri="{FF2B5EF4-FFF2-40B4-BE49-F238E27FC236}">
+                <a16:creationId xmlns:a16="http://schemas.microsoft.com/office/drawing/2014/main" id="{5329B172-C5F0-6440-968B-3C6C07A895B4}"/>
+              </a:ext>
+            </a:extLst>
+          </p:cNvPr>
+          <p:cNvSpPr txBox="1"/>
+          <p:nvPr/>
+        </p:nvSpPr>
+        <p:spPr>
+          <a:xfrm>
+            <a:off x="1387011" y="595901"/>
+            <a:ext cx="5404207" cy="369332"/>
+          </a:xfrm>
+          <a:prstGeom prst="rect">
+            <a:avLst/>
+          </a:prstGeom>
+          <a:noFill/>
+        </p:spPr>
+        <p:txBody>
+          <a:bodyPr wrap="square" rtlCol="0">
+            <a:spAutoFit/>
+          </a:bodyPr>
+          <a:lstStyle/>
+          <a:p>
+            <a:pPr algn="ctr"/>
+            <a:r>
+              <a:rPr lang="en-US" b="1" dirty="0">
+                <a:highlight>
+                  <a:srgbClr val="FFFF00"/>
+                </a:highlight>
+              </a:rPr>
+              <a:t>Parent Component</a:t>
+            </a:r>
+          </a:p>
+        </p:txBody>
+      </p:sp>
+      <p:sp>
+        <p:nvSpPr>
+          <p:cNvPr id="4" name="Rectangle 3">
+            <a:extLst>
+              <a:ext uri="{FF2B5EF4-FFF2-40B4-BE49-F238E27FC236}">
+                <a16:creationId xmlns:a16="http://schemas.microsoft.com/office/drawing/2014/main" id="{20E9A12E-59B2-6B43-AC88-7CF1165EA504}"/>
+              </a:ext>
+            </a:extLst>
+          </p:cNvPr>
+          <p:cNvSpPr/>
+          <p:nvPr/>
+        </p:nvSpPr>
+        <p:spPr>
+          <a:xfrm>
+            <a:off x="1058238" y="2013735"/>
+            <a:ext cx="3914444" cy="4130211"/>
+          </a:xfrm>
+          <a:prstGeom prst="rect">
+            <a:avLst/>
+          </a:prstGeom>
+        </p:spPr>
+        <p:style>
+          <a:lnRef idx="1">
+            <a:schemeClr val="accent4"/>
+          </a:lnRef>
+          <a:fillRef idx="3">
+            <a:schemeClr val="accent4"/>
+          </a:fillRef>
+          <a:effectRef idx="2">
+            <a:schemeClr val="accent4"/>
+          </a:effectRef>
+          <a:fontRef idx="minor">
+            <a:schemeClr val="lt1"/>
+          </a:fontRef>
+        </p:style>
+        <p:txBody>
+          <a:bodyPr rtlCol="0" anchor="ctr"/>
+          <a:lstStyle/>
+          <a:p>
+            <a:pPr algn="ctr"/>
+            <a:r>
+              <a:rPr lang="en-US" dirty="0"/>
+              <a:t>Child Component 1</a:t>
+            </a:r>
+          </a:p>
+          <a:p>
+            <a:pPr algn="ctr"/>
+            <a:endParaRPr lang="en-US" dirty="0"/>
+          </a:p>
+          <a:p>
+            <a:pPr algn="ctr"/>
+            <a:endParaRPr lang="en-US" dirty="0"/>
+          </a:p>
+          <a:p>
+            <a:pPr algn="ctr"/>
+            <a:endParaRPr lang="en-US" dirty="0"/>
+          </a:p>
+          <a:p>
+            <a:pPr algn="ctr"/>
+            <a:endParaRPr lang="en-US" dirty="0"/>
+          </a:p>
+          <a:p>
+            <a:pPr algn="ctr"/>
+            <a:endParaRPr lang="en-US" dirty="0"/>
+          </a:p>
+          <a:p>
+            <a:pPr algn="ctr"/>
+            <a:endParaRPr lang="en-US" dirty="0"/>
+          </a:p>
+          <a:p>
+            <a:pPr algn="ctr"/>
+            <a:endParaRPr lang="en-US" dirty="0"/>
+          </a:p>
+          <a:p>
+            <a:pPr algn="ctr"/>
+            <a:endParaRPr lang="en-US" dirty="0"/>
+          </a:p>
+          <a:p>
+            <a:pPr algn="ctr"/>
+            <a:endParaRPr lang="en-US" dirty="0"/>
+          </a:p>
+          <a:p>
+            <a:pPr algn="ctr"/>
+            <a:endParaRPr lang="en-US" dirty="0"/>
+          </a:p>
+        </p:txBody>
+      </p:sp>
+      <p:sp>
+        <p:nvSpPr>
+          <p:cNvPr id="5" name="Rectangle 4">
+            <a:extLst>
+              <a:ext uri="{FF2B5EF4-FFF2-40B4-BE49-F238E27FC236}">
+                <a16:creationId xmlns:a16="http://schemas.microsoft.com/office/drawing/2014/main" id="{3172CF2E-FAFE-4540-ABD1-61AF8C47856E}"/>
+              </a:ext>
+            </a:extLst>
+          </p:cNvPr>
+          <p:cNvSpPr/>
+          <p:nvPr/>
+        </p:nvSpPr>
+        <p:spPr>
+          <a:xfrm>
+            <a:off x="1212351" y="3339101"/>
+            <a:ext cx="3544584" cy="2609636"/>
+          </a:xfrm>
+          <a:prstGeom prst="rect">
+            <a:avLst/>
+          </a:prstGeom>
+        </p:spPr>
+        <p:style>
+          <a:lnRef idx="1">
+            <a:schemeClr val="dk1"/>
+          </a:lnRef>
+          <a:fillRef idx="2">
+            <a:schemeClr val="dk1"/>
+          </a:fillRef>
+          <a:effectRef idx="1">
+            <a:schemeClr val="dk1"/>
+          </a:effectRef>
+          <a:fontRef idx="minor">
+            <a:schemeClr val="dk1"/>
+          </a:fontRef>
+        </p:style>
+        <p:txBody>
+          <a:bodyPr rtlCol="0" anchor="ctr"/>
+          <a:lstStyle/>
+          <a:p>
+            <a:pPr algn="ctr"/>
+            <a:r>
+              <a:rPr lang="en-US" dirty="0"/>
+              <a:t>Grand Child Component 1</a:t>
+            </a:r>
+          </a:p>
+        </p:txBody>
+      </p:sp>
+      <p:sp>
+        <p:nvSpPr>
+          <p:cNvPr id="6" name="TextBox 5">
+            <a:extLst>
+              <a:ext uri="{FF2B5EF4-FFF2-40B4-BE49-F238E27FC236}">
+                <a16:creationId xmlns:a16="http://schemas.microsoft.com/office/drawing/2014/main" id="{4033D0A3-7F96-A449-839B-3A0096030AD8}"/>
+              </a:ext>
+            </a:extLst>
+          </p:cNvPr>
+          <p:cNvSpPr txBox="1"/>
+          <p:nvPr/>
+        </p:nvSpPr>
+        <p:spPr>
+          <a:xfrm>
+            <a:off x="1212351" y="1150706"/>
+            <a:ext cx="2835667" cy="369332"/>
+          </a:xfrm>
+          <a:prstGeom prst="rect">
+            <a:avLst/>
+          </a:prstGeom>
+          <a:noFill/>
+        </p:spPr>
+        <p:txBody>
+          <a:bodyPr wrap="square" rtlCol="0">
+            <a:spAutoFit/>
+          </a:bodyPr>
+          <a:lstStyle/>
+          <a:p>
+            <a:r>
+              <a:rPr lang="en-US" dirty="0"/>
+              <a:t>Name = “Mahesh”</a:t>
+            </a:r>
+          </a:p>
+        </p:txBody>
+      </p:sp>
+      <p:cxnSp>
+        <p:nvCxnSpPr>
+          <p:cNvPr id="8" name="Straight Arrow Connector 7">
+            <a:extLst>
+              <a:ext uri="{FF2B5EF4-FFF2-40B4-BE49-F238E27FC236}">
+                <a16:creationId xmlns:a16="http://schemas.microsoft.com/office/drawing/2014/main" id="{0FB58D48-102C-0045-BE37-FF9952C13D41}"/>
+              </a:ext>
+            </a:extLst>
+          </p:cNvPr>
+          <p:cNvCxnSpPr/>
+          <p:nvPr/>
+        </p:nvCxnSpPr>
+        <p:spPr>
+          <a:xfrm>
+            <a:off x="2178121" y="1561672"/>
+            <a:ext cx="0" cy="924674"/>
+          </a:xfrm>
+          <a:prstGeom prst="straightConnector1">
+            <a:avLst/>
+          </a:prstGeom>
+          <a:ln>
+            <a:tailEnd type="triangle"/>
+          </a:ln>
+        </p:spPr>
+        <p:style>
+          <a:lnRef idx="3">
+            <a:schemeClr val="dk1"/>
+          </a:lnRef>
+          <a:fillRef idx="0">
+            <a:schemeClr val="dk1"/>
+          </a:fillRef>
+          <a:effectRef idx="2">
+            <a:schemeClr val="dk1"/>
+          </a:effectRef>
+          <a:fontRef idx="minor">
+            <a:schemeClr val="tx1"/>
+          </a:fontRef>
+        </p:style>
+      </p:cxnSp>
+      <p:sp>
+        <p:nvSpPr>
+          <p:cNvPr id="9" name="TextBox 8">
+            <a:extLst>
+              <a:ext uri="{FF2B5EF4-FFF2-40B4-BE49-F238E27FC236}">
+                <a16:creationId xmlns:a16="http://schemas.microsoft.com/office/drawing/2014/main" id="{66EE427C-E963-7649-B3D7-F85E6CEA4330}"/>
+              </a:ext>
+            </a:extLst>
+          </p:cNvPr>
+          <p:cNvSpPr txBox="1"/>
+          <p:nvPr/>
+        </p:nvSpPr>
+        <p:spPr>
+          <a:xfrm>
+            <a:off x="1767155" y="2784297"/>
+            <a:ext cx="2445249" cy="369332"/>
+          </a:xfrm>
+          <a:prstGeom prst="rect">
+            <a:avLst/>
+          </a:prstGeom>
+          <a:noFill/>
+        </p:spPr>
+        <p:txBody>
+          <a:bodyPr wrap="square" rtlCol="0">
+            <a:spAutoFit/>
+          </a:bodyPr>
+          <a:lstStyle/>
+          <a:p>
+            <a:r>
+              <a:rPr lang="en-US" dirty="0" err="1"/>
+              <a:t>this.props.Name</a:t>
+            </a:r>
+            <a:endParaRPr lang="en-US" dirty="0"/>
+          </a:p>
+        </p:txBody>
+      </p:sp>
+      <p:sp>
+        <p:nvSpPr>
+          <p:cNvPr id="10" name="TextBox 9">
+            <a:extLst>
+              <a:ext uri="{FF2B5EF4-FFF2-40B4-BE49-F238E27FC236}">
+                <a16:creationId xmlns:a16="http://schemas.microsoft.com/office/drawing/2014/main" id="{D512C7B6-2220-9145-8999-71EC379B8AC9}"/>
+              </a:ext>
+            </a:extLst>
+          </p:cNvPr>
+          <p:cNvSpPr txBox="1"/>
+          <p:nvPr/>
+        </p:nvSpPr>
+        <p:spPr>
+          <a:xfrm>
+            <a:off x="8209052" y="750013"/>
+            <a:ext cx="3380197" cy="646331"/>
+          </a:xfrm>
+          <a:prstGeom prst="rect">
+            <a:avLst/>
+          </a:prstGeom>
+          <a:noFill/>
+        </p:spPr>
+        <p:txBody>
+          <a:bodyPr wrap="square" rtlCol="0">
+            <a:spAutoFit/>
+          </a:bodyPr>
+          <a:lstStyle/>
+          <a:p>
+            <a:r>
+              <a:rPr lang="en-US" dirty="0"/>
+              <a:t>The Parent Component will pass data to child using </a:t>
+            </a:r>
+            <a:r>
+              <a:rPr lang="en-US" b="1" dirty="0"/>
+              <a:t>props</a:t>
+            </a:r>
+          </a:p>
+        </p:txBody>
+      </p:sp>
+      <p:cxnSp>
+        <p:nvCxnSpPr>
+          <p:cNvPr id="12" name="Straight Arrow Connector 11">
+            <a:extLst>
+              <a:ext uri="{FF2B5EF4-FFF2-40B4-BE49-F238E27FC236}">
+                <a16:creationId xmlns:a16="http://schemas.microsoft.com/office/drawing/2014/main" id="{76D2F19B-1D6E-7949-ABCA-9DDDE48D4984}"/>
+              </a:ext>
+            </a:extLst>
+          </p:cNvPr>
+          <p:cNvCxnSpPr>
+            <a:stCxn id="10" idx="1"/>
+          </p:cNvCxnSpPr>
+          <p:nvPr/>
+        </p:nvCxnSpPr>
+        <p:spPr>
+          <a:xfrm flipH="1">
+            <a:off x="3441843" y="1073179"/>
+            <a:ext cx="4767209" cy="1885778"/>
+          </a:xfrm>
+          <a:prstGeom prst="straightConnector1">
+            <a:avLst/>
+          </a:prstGeom>
+          <a:ln>
+            <a:tailEnd type="triangle"/>
+          </a:ln>
+        </p:spPr>
+        <p:style>
+          <a:lnRef idx="3">
+            <a:schemeClr val="accent2"/>
+          </a:lnRef>
+          <a:fillRef idx="0">
+            <a:schemeClr val="accent2"/>
+          </a:fillRef>
+          <a:effectRef idx="2">
+            <a:schemeClr val="accent2"/>
+          </a:effectRef>
+          <a:fontRef idx="minor">
+            <a:schemeClr val="tx1"/>
+          </a:fontRef>
+        </p:style>
+      </p:cxnSp>
+      <p:cxnSp>
+        <p:nvCxnSpPr>
+          <p:cNvPr id="13" name="Straight Arrow Connector 12">
+            <a:extLst>
+              <a:ext uri="{FF2B5EF4-FFF2-40B4-BE49-F238E27FC236}">
+                <a16:creationId xmlns:a16="http://schemas.microsoft.com/office/drawing/2014/main" id="{07D64E4C-7FFC-A24A-AD9E-84E41A7D680D}"/>
+              </a:ext>
+            </a:extLst>
+          </p:cNvPr>
+          <p:cNvCxnSpPr/>
+          <p:nvPr/>
+        </p:nvCxnSpPr>
+        <p:spPr>
+          <a:xfrm>
+            <a:off x="1991473" y="3080535"/>
+            <a:ext cx="0" cy="924674"/>
+          </a:xfrm>
+          <a:prstGeom prst="straightConnector1">
+            <a:avLst/>
+          </a:prstGeom>
+          <a:ln>
+            <a:tailEnd type="triangle"/>
+          </a:ln>
+        </p:spPr>
+        <p:style>
+          <a:lnRef idx="3">
+            <a:schemeClr val="dk1"/>
+          </a:lnRef>
+          <a:fillRef idx="0">
+            <a:schemeClr val="dk1"/>
+          </a:fillRef>
+          <a:effectRef idx="2">
+            <a:schemeClr val="dk1"/>
+          </a:effectRef>
+          <a:fontRef idx="minor">
+            <a:schemeClr val="tx1"/>
+          </a:fontRef>
+        </p:style>
+      </p:cxnSp>
+      <p:sp>
+        <p:nvSpPr>
+          <p:cNvPr id="14" name="TextBox 13">
+            <a:extLst>
+              <a:ext uri="{FF2B5EF4-FFF2-40B4-BE49-F238E27FC236}">
+                <a16:creationId xmlns:a16="http://schemas.microsoft.com/office/drawing/2014/main" id="{81543E4F-BDFA-A543-8A42-20A32FD0987A}"/>
+              </a:ext>
+            </a:extLst>
+          </p:cNvPr>
+          <p:cNvSpPr txBox="1"/>
+          <p:nvPr/>
+        </p:nvSpPr>
+        <p:spPr>
+          <a:xfrm>
+            <a:off x="1888733" y="4653925"/>
+            <a:ext cx="2445249" cy="369332"/>
+          </a:xfrm>
+          <a:prstGeom prst="rect">
+            <a:avLst/>
+          </a:prstGeom>
+          <a:noFill/>
+        </p:spPr>
+        <p:txBody>
+          <a:bodyPr wrap="square" rtlCol="0">
+            <a:spAutoFit/>
+          </a:bodyPr>
+          <a:lstStyle/>
+          <a:p>
+            <a:r>
+              <a:rPr lang="en-US" dirty="0" err="1"/>
+              <a:t>this.props.Name</a:t>
+            </a:r>
+            <a:endParaRPr lang="en-US" dirty="0"/>
+          </a:p>
+        </p:txBody>
+      </p:sp>
+      <p:cxnSp>
+        <p:nvCxnSpPr>
+          <p:cNvPr id="16" name="Straight Arrow Connector 15">
+            <a:extLst>
+              <a:ext uri="{FF2B5EF4-FFF2-40B4-BE49-F238E27FC236}">
+                <a16:creationId xmlns:a16="http://schemas.microsoft.com/office/drawing/2014/main" id="{449D0AED-2660-0447-AF07-ECA900D8A561}"/>
+              </a:ext>
+            </a:extLst>
+          </p:cNvPr>
+          <p:cNvCxnSpPr>
+            <a:stCxn id="10" idx="1"/>
+          </p:cNvCxnSpPr>
+          <p:nvPr/>
+        </p:nvCxnSpPr>
+        <p:spPr>
+          <a:xfrm flipH="1">
+            <a:off x="3667874" y="1073179"/>
+            <a:ext cx="4541178" cy="3765412"/>
+          </a:xfrm>
+          <a:prstGeom prst="straightConnector1">
+            <a:avLst/>
+          </a:prstGeom>
+          <a:ln>
+            <a:tailEnd type="triangle"/>
+          </a:ln>
+        </p:spPr>
+        <p:style>
+          <a:lnRef idx="3">
+            <a:schemeClr val="accent2"/>
+          </a:lnRef>
+          <a:fillRef idx="0">
+            <a:schemeClr val="accent2"/>
+          </a:fillRef>
+          <a:effectRef idx="2">
+            <a:schemeClr val="accent2"/>
+          </a:effectRef>
+          <a:fontRef idx="minor">
+            <a:schemeClr val="tx1"/>
+          </a:fontRef>
+        </p:style>
+      </p:cxnSp>
+      <p:sp>
+        <p:nvSpPr>
+          <p:cNvPr id="17" name="TextBox 16">
+            <a:extLst>
+              <a:ext uri="{FF2B5EF4-FFF2-40B4-BE49-F238E27FC236}">
+                <a16:creationId xmlns:a16="http://schemas.microsoft.com/office/drawing/2014/main" id="{759CE3B3-1ED5-C848-B696-C9AD77052408}"/>
+              </a:ext>
+            </a:extLst>
+          </p:cNvPr>
+          <p:cNvSpPr txBox="1"/>
+          <p:nvPr/>
+        </p:nvSpPr>
+        <p:spPr>
+          <a:xfrm>
+            <a:off x="1613043" y="5161757"/>
+            <a:ext cx="2720939" cy="369332"/>
+          </a:xfrm>
+          <a:prstGeom prst="rect">
+            <a:avLst/>
+          </a:prstGeom>
+          <a:noFill/>
+        </p:spPr>
+        <p:txBody>
+          <a:bodyPr wrap="square" rtlCol="0">
+            <a:spAutoFit/>
+          </a:bodyPr>
+          <a:lstStyle/>
+          <a:p>
+            <a:r>
+              <a:rPr lang="en-US" dirty="0"/>
+              <a:t>This.props.f1(){…..}</a:t>
+            </a:r>
+          </a:p>
+        </p:txBody>
+      </p:sp>
+      <p:cxnSp>
+        <p:nvCxnSpPr>
+          <p:cNvPr id="19" name="Straight Arrow Connector 18">
+            <a:extLst>
+              <a:ext uri="{FF2B5EF4-FFF2-40B4-BE49-F238E27FC236}">
+                <a16:creationId xmlns:a16="http://schemas.microsoft.com/office/drawing/2014/main" id="{0419D6C4-CACF-4341-8BC0-DD82C9D273E4}"/>
+              </a:ext>
+            </a:extLst>
+          </p:cNvPr>
+          <p:cNvCxnSpPr>
+            <a:cxnSpLocks/>
+            <a:stCxn id="17" idx="1"/>
+          </p:cNvCxnSpPr>
+          <p:nvPr/>
+        </p:nvCxnSpPr>
+        <p:spPr>
+          <a:xfrm flipV="1">
+            <a:off x="1613043" y="1561672"/>
+            <a:ext cx="2720939" cy="3784751"/>
+          </a:xfrm>
+          <a:prstGeom prst="straightConnector1">
+            <a:avLst/>
+          </a:prstGeom>
+          <a:ln>
+            <a:tailEnd type="triangle"/>
+          </a:ln>
+        </p:spPr>
+        <p:style>
+          <a:lnRef idx="3">
+            <a:schemeClr val="dk1"/>
+          </a:lnRef>
+          <a:fillRef idx="0">
+            <a:schemeClr val="dk1"/>
+          </a:fillRef>
+          <a:effectRef idx="2">
+            <a:schemeClr val="dk1"/>
+          </a:effectRef>
+          <a:fontRef idx="minor">
+            <a:schemeClr val="tx1"/>
+          </a:fontRef>
+        </p:style>
+      </p:cxnSp>
+      <p:sp>
+        <p:nvSpPr>
+          <p:cNvPr id="21" name="TextBox 20">
+            <a:extLst>
+              <a:ext uri="{FF2B5EF4-FFF2-40B4-BE49-F238E27FC236}">
+                <a16:creationId xmlns:a16="http://schemas.microsoft.com/office/drawing/2014/main" id="{568B6503-E460-A746-9A82-3979DAC67E26}"/>
+              </a:ext>
+            </a:extLst>
+          </p:cNvPr>
+          <p:cNvSpPr txBox="1"/>
+          <p:nvPr/>
+        </p:nvSpPr>
+        <p:spPr>
+          <a:xfrm>
+            <a:off x="4448710" y="1216212"/>
+            <a:ext cx="1900719" cy="381353"/>
+          </a:xfrm>
+          <a:prstGeom prst="rect">
+            <a:avLst/>
+          </a:prstGeom>
+          <a:noFill/>
+        </p:spPr>
+        <p:txBody>
+          <a:bodyPr wrap="square" rtlCol="0">
+            <a:spAutoFit/>
+          </a:bodyPr>
+          <a:lstStyle/>
+          <a:p>
+            <a:r>
+              <a:rPr lang="en-US" dirty="0" err="1"/>
+              <a:t>pFunction</a:t>
+            </a:r>
+            <a:r>
+              <a:rPr lang="en-US" dirty="0"/>
+              <a:t>=f1;</a:t>
+            </a:r>
+          </a:p>
+        </p:txBody>
+      </p:sp>
+    </p:spTree>
+    <p:extLst>
+      <p:ext uri="{BB962C8B-B14F-4D97-AF65-F5344CB8AC3E}">
+        <p14:creationId xmlns:p14="http://schemas.microsoft.com/office/powerpoint/2010/main" val="1128993100"/>
+      </p:ext>
+    </p:extLst>
+  </p:cSld>
+  <p:clrMapOvr>
+    <a:masterClrMapping/>
+  </p:clrMapOvr>
+</p:sld>
+</file>
+
+<file path=ppt/slides/slide3.xml><?xml version="1.0" encoding="utf-8"?>
+<p:sld xmlns:a="http://schemas.openxmlformats.org/drawingml/2006/main" xmlns:r="http://schemas.openxmlformats.org/officeDocument/2006/relationships" xmlns:p="http://schemas.openxmlformats.org/presentationml/2006/main">
+  <p:cSld>
+    <p:spTree>
+      <p:nvGrpSpPr>
+        <p:cNvPr id="1" name=""/>
+        <p:cNvGrpSpPr/>
+        <p:nvPr/>
+      </p:nvGrpSpPr>
+      <p:grpSpPr>
+        <a:xfrm>
+          <a:off x="0" y="0"/>
+          <a:ext cx="0" cy="0"/>
+          <a:chOff x="0" y="0"/>
+          <a:chExt cx="0" cy="0"/>
+        </a:xfrm>
+      </p:grpSpPr>
+      <p:sp>
+        <p:nvSpPr>
+          <p:cNvPr id="2" name="Rectangle 1">
+            <a:extLst>
+              <a:ext uri="{FF2B5EF4-FFF2-40B4-BE49-F238E27FC236}">
+                <a16:creationId xmlns:a16="http://schemas.microsoft.com/office/drawing/2014/main" id="{1418AE88-1623-3F46-B820-DA4EBE482FF8}"/>
+              </a:ext>
+            </a:extLst>
+          </p:cNvPr>
+          <p:cNvSpPr/>
+          <p:nvPr/>
+        </p:nvSpPr>
+        <p:spPr>
+          <a:xfrm>
+            <a:off x="452064" y="904126"/>
+            <a:ext cx="11281024" cy="5691883"/>
+          </a:xfrm>
+          <a:prstGeom prst="rect">
+            <a:avLst/>
+          </a:prstGeom>
+          <a:solidFill>
+            <a:srgbClr val="FFFF00"/>
+          </a:solidFill>
+        </p:spPr>
+        <p:style>
+          <a:lnRef idx="2">
+            <a:schemeClr val="accent1">
+              <a:shade val="50000"/>
+            </a:schemeClr>
+          </a:lnRef>
+          <a:fillRef idx="1">
+            <a:schemeClr val="accent1"/>
+          </a:fillRef>
+          <a:effectRef idx="0">
+            <a:schemeClr val="accent1"/>
+          </a:effectRef>
+          <a:fontRef idx="minor">
+            <a:schemeClr val="lt1"/>
+          </a:fontRef>
+        </p:style>
+        <p:txBody>
+          <a:bodyPr rtlCol="0" anchor="ctr"/>
+          <a:lstStyle/>
+          <a:p>
+            <a:pPr algn="ctr"/>
+            <a:endParaRPr lang="en-US"/>
+          </a:p>
+        </p:txBody>
+      </p:sp>
+      <p:sp>
+        <p:nvSpPr>
+          <p:cNvPr id="3" name="TextBox 2">
+            <a:extLst>
+              <a:ext uri="{FF2B5EF4-FFF2-40B4-BE49-F238E27FC236}">
+                <a16:creationId xmlns:a16="http://schemas.microsoft.com/office/drawing/2014/main" id="{A734D0DD-CD04-C442-83FF-64CFD509FB02}"/>
+              </a:ext>
+            </a:extLst>
+          </p:cNvPr>
+          <p:cNvSpPr txBox="1"/>
+          <p:nvPr/>
+        </p:nvSpPr>
+        <p:spPr>
+          <a:xfrm>
+            <a:off x="1972638" y="174661"/>
+            <a:ext cx="8527551" cy="369332"/>
+          </a:xfrm>
+          <a:prstGeom prst="rect">
+            <a:avLst/>
+          </a:prstGeom>
+          <a:noFill/>
+        </p:spPr>
+        <p:txBody>
+          <a:bodyPr wrap="square" rtlCol="0">
+            <a:spAutoFit/>
+          </a:bodyPr>
+          <a:lstStyle/>
+          <a:p>
+            <a:pPr algn="ctr"/>
+            <a:r>
+              <a:rPr lang="en-US" b="1" dirty="0"/>
+              <a:t>State Property Binding</a:t>
+            </a:r>
+          </a:p>
+        </p:txBody>
+      </p:sp>
+      <p:sp>
+        <p:nvSpPr>
+          <p:cNvPr id="4" name="Rectangle 3">
+            <a:extLst>
+              <a:ext uri="{FF2B5EF4-FFF2-40B4-BE49-F238E27FC236}">
+                <a16:creationId xmlns:a16="http://schemas.microsoft.com/office/drawing/2014/main" id="{EED8C5E4-F402-5B47-9B92-FC1AA2BA7B26}"/>
+              </a:ext>
+            </a:extLst>
+          </p:cNvPr>
+          <p:cNvSpPr/>
+          <p:nvPr/>
+        </p:nvSpPr>
+        <p:spPr>
+          <a:xfrm>
+            <a:off x="1613043" y="3059130"/>
+            <a:ext cx="4006921" cy="739740"/>
+          </a:xfrm>
+          <a:prstGeom prst="rect">
+            <a:avLst/>
+          </a:prstGeom>
+        </p:spPr>
+        <p:style>
+          <a:lnRef idx="2">
+            <a:schemeClr val="accent1">
+              <a:shade val="50000"/>
+            </a:schemeClr>
+          </a:lnRef>
+          <a:fillRef idx="1">
+            <a:schemeClr val="accent1"/>
+          </a:fillRef>
+          <a:effectRef idx="0">
+            <a:schemeClr val="accent1"/>
+          </a:effectRef>
+          <a:fontRef idx="minor">
+            <a:schemeClr val="lt1"/>
+          </a:fontRef>
+        </p:style>
+        <p:txBody>
+          <a:bodyPr rtlCol="0" anchor="ctr"/>
+          <a:lstStyle/>
+          <a:p>
+            <a:pPr algn="ctr"/>
+            <a:r>
+              <a:rPr lang="en-US" dirty="0"/>
+              <a:t>Value={</a:t>
+            </a:r>
+            <a:r>
+              <a:rPr lang="en-US" dirty="0" err="1"/>
+              <a:t>this.state.fname</a:t>
+            </a:r>
+            <a:r>
+              <a:rPr lang="en-US" dirty="0"/>
+              <a:t>}</a:t>
+            </a:r>
+          </a:p>
+        </p:txBody>
+      </p:sp>
+      <p:sp>
+        <p:nvSpPr>
+          <p:cNvPr id="5" name="Rectangle 4">
+            <a:extLst>
+              <a:ext uri="{FF2B5EF4-FFF2-40B4-BE49-F238E27FC236}">
+                <a16:creationId xmlns:a16="http://schemas.microsoft.com/office/drawing/2014/main" id="{F8D9AEAF-C61E-9245-B924-68BCE40A7B2D}"/>
+              </a:ext>
+            </a:extLst>
+          </p:cNvPr>
+          <p:cNvSpPr/>
+          <p:nvPr/>
+        </p:nvSpPr>
+        <p:spPr>
+          <a:xfrm>
+            <a:off x="1202076" y="1058238"/>
+            <a:ext cx="4582275" cy="1222625"/>
+          </a:xfrm>
+          <a:prstGeom prst="rect">
+            <a:avLst/>
+          </a:prstGeom>
+        </p:spPr>
+        <p:style>
+          <a:lnRef idx="2">
+            <a:schemeClr val="accent1">
+              <a:shade val="50000"/>
+            </a:schemeClr>
+          </a:lnRef>
+          <a:fillRef idx="1">
+            <a:schemeClr val="accent1"/>
+          </a:fillRef>
+          <a:effectRef idx="0">
+            <a:schemeClr val="accent1"/>
+          </a:effectRef>
+          <a:fontRef idx="minor">
+            <a:schemeClr val="lt1"/>
+          </a:fontRef>
+        </p:style>
+        <p:txBody>
+          <a:bodyPr rtlCol="0" anchor="ctr"/>
+          <a:lstStyle/>
+          <a:p>
+            <a:pPr algn="ctr"/>
+            <a:r>
+              <a:rPr lang="en-US" dirty="0" err="1"/>
+              <a:t>This.state</a:t>
+            </a:r>
+            <a:r>
+              <a:rPr lang="en-US" dirty="0"/>
+              <a:t>={</a:t>
+            </a:r>
+            <a:r>
+              <a:rPr lang="en-US" dirty="0" err="1"/>
+              <a:t>fname</a:t>
+            </a:r>
+            <a:r>
+              <a:rPr lang="en-US" dirty="0"/>
+              <a:t>:””}</a:t>
+            </a:r>
+          </a:p>
+        </p:txBody>
+      </p:sp>
+      <p:sp>
+        <p:nvSpPr>
+          <p:cNvPr id="6" name="Down Arrow 5">
+            <a:extLst>
+              <a:ext uri="{FF2B5EF4-FFF2-40B4-BE49-F238E27FC236}">
+                <a16:creationId xmlns:a16="http://schemas.microsoft.com/office/drawing/2014/main" id="{DA7CC1D6-D129-2440-98D7-8552AA44AC74}"/>
+              </a:ext>
+            </a:extLst>
+          </p:cNvPr>
+          <p:cNvSpPr/>
+          <p:nvPr/>
+        </p:nvSpPr>
+        <p:spPr>
+          <a:xfrm>
+            <a:off x="3174715" y="1797978"/>
+            <a:ext cx="123289" cy="1458930"/>
+          </a:xfrm>
+          <a:prstGeom prst="downArrow">
+            <a:avLst/>
+          </a:prstGeom>
+          <a:solidFill>
+            <a:srgbClr val="FF0000"/>
+          </a:solidFill>
+        </p:spPr>
+        <p:style>
+          <a:lnRef idx="2">
+            <a:schemeClr val="accent1">
+              <a:shade val="50000"/>
+            </a:schemeClr>
+          </a:lnRef>
+          <a:fillRef idx="1">
+            <a:schemeClr val="accent1"/>
+          </a:fillRef>
+          <a:effectRef idx="0">
+            <a:schemeClr val="accent1"/>
+          </a:effectRef>
+          <a:fontRef idx="minor">
+            <a:schemeClr val="lt1"/>
+          </a:fontRef>
+        </p:style>
+        <p:txBody>
+          <a:bodyPr rtlCol="0" anchor="ctr"/>
+          <a:lstStyle/>
+          <a:p>
+            <a:pPr algn="ctr"/>
+            <a:endParaRPr lang="en-US"/>
+          </a:p>
+        </p:txBody>
+      </p:sp>
+      <p:sp>
+        <p:nvSpPr>
+          <p:cNvPr id="7" name="TextBox 6">
+            <a:extLst>
+              <a:ext uri="{FF2B5EF4-FFF2-40B4-BE49-F238E27FC236}">
+                <a16:creationId xmlns:a16="http://schemas.microsoft.com/office/drawing/2014/main" id="{EB0FB194-4688-D542-93D4-AEEC4EA4D501}"/>
+              </a:ext>
+            </a:extLst>
+          </p:cNvPr>
+          <p:cNvSpPr txBox="1"/>
+          <p:nvPr/>
+        </p:nvSpPr>
+        <p:spPr>
+          <a:xfrm>
+            <a:off x="7150813" y="1130157"/>
+            <a:ext cx="3428144" cy="646331"/>
+          </a:xfrm>
+          <a:prstGeom prst="rect">
+            <a:avLst/>
+          </a:prstGeom>
+          <a:noFill/>
+        </p:spPr>
+        <p:txBody>
+          <a:bodyPr wrap="square" rtlCol="0">
+            <a:spAutoFit/>
+          </a:bodyPr>
+          <a:lstStyle/>
+          <a:p>
+            <a:r>
+              <a:rPr lang="en-US" dirty="0"/>
+              <a:t>One-Way Dataflow, make the state as read-only </a:t>
+            </a:r>
+            <a:r>
+              <a:rPr lang="en-US" dirty="0" err="1"/>
+              <a:t>w.r.t</a:t>
+            </a:r>
+            <a:r>
+              <a:rPr lang="en-US" dirty="0"/>
+              <a:t> the UI element</a:t>
+            </a:r>
+          </a:p>
+        </p:txBody>
+      </p:sp>
+      <p:cxnSp>
+        <p:nvCxnSpPr>
+          <p:cNvPr id="9" name="Straight Arrow Connector 8">
+            <a:extLst>
+              <a:ext uri="{FF2B5EF4-FFF2-40B4-BE49-F238E27FC236}">
+                <a16:creationId xmlns:a16="http://schemas.microsoft.com/office/drawing/2014/main" id="{AF9766FF-C955-B34D-B393-0383B14E4927}"/>
+              </a:ext>
+            </a:extLst>
+          </p:cNvPr>
+          <p:cNvCxnSpPr>
+            <a:stCxn id="7" idx="1"/>
+          </p:cNvCxnSpPr>
+          <p:nvPr/>
+        </p:nvCxnSpPr>
+        <p:spPr>
+          <a:xfrm flipH="1">
+            <a:off x="3298005" y="1453323"/>
+            <a:ext cx="3852808" cy="1341248"/>
+          </a:xfrm>
+          <a:prstGeom prst="straightConnector1">
+            <a:avLst/>
+          </a:prstGeom>
+          <a:ln>
+            <a:tailEnd type="triangle"/>
+          </a:ln>
+        </p:spPr>
+        <p:style>
+          <a:lnRef idx="3">
+            <a:schemeClr val="dk1"/>
+          </a:lnRef>
+          <a:fillRef idx="0">
+            <a:schemeClr val="dk1"/>
+          </a:fillRef>
+          <a:effectRef idx="2">
+            <a:schemeClr val="dk1"/>
+          </a:effectRef>
+          <a:fontRef idx="minor">
+            <a:schemeClr val="tx1"/>
+          </a:fontRef>
+        </p:style>
+      </p:cxnSp>
+      <p:sp>
+        <p:nvSpPr>
+          <p:cNvPr id="10" name="Curved Left Arrow 9">
+            <a:extLst>
+              <a:ext uri="{FF2B5EF4-FFF2-40B4-BE49-F238E27FC236}">
+                <a16:creationId xmlns:a16="http://schemas.microsoft.com/office/drawing/2014/main" id="{4F78C1F9-EEFC-3642-A2F3-CB8F1B8B60CA}"/>
+              </a:ext>
+            </a:extLst>
+          </p:cNvPr>
+          <p:cNvSpPr/>
+          <p:nvPr/>
+        </p:nvSpPr>
+        <p:spPr>
+          <a:xfrm rot="10800000">
+            <a:off x="1594206" y="1548829"/>
+            <a:ext cx="852755" cy="1993186"/>
+          </a:xfrm>
+          <a:prstGeom prst="curvedLeftArrow">
+            <a:avLst>
+              <a:gd name="adj1" fmla="val 25000"/>
+              <a:gd name="adj2" fmla="val 43902"/>
+              <a:gd name="adj3" fmla="val 25000"/>
+            </a:avLst>
+          </a:prstGeom>
+          <a:solidFill>
+            <a:srgbClr val="FF0000"/>
+          </a:solidFill>
+        </p:spPr>
+        <p:style>
+          <a:lnRef idx="2">
+            <a:schemeClr val="accent1">
+              <a:shade val="50000"/>
+            </a:schemeClr>
+          </a:lnRef>
+          <a:fillRef idx="1">
+            <a:schemeClr val="accent1"/>
+          </a:fillRef>
+          <a:effectRef idx="0">
+            <a:schemeClr val="accent1"/>
+          </a:effectRef>
+          <a:fontRef idx="minor">
+            <a:schemeClr val="lt1"/>
+          </a:fontRef>
+        </p:style>
+        <p:txBody>
+          <a:bodyPr rtlCol="0" anchor="ctr"/>
+          <a:lstStyle/>
+          <a:p>
+            <a:pPr algn="ctr"/>
+            <a:endParaRPr lang="en-US">
+              <a:solidFill>
+                <a:schemeClr val="tx1"/>
+              </a:solidFill>
+            </a:endParaRPr>
+          </a:p>
+        </p:txBody>
+      </p:sp>
+      <p:sp>
+        <p:nvSpPr>
+          <p:cNvPr id="11" name="TextBox 10">
+            <a:extLst>
+              <a:ext uri="{FF2B5EF4-FFF2-40B4-BE49-F238E27FC236}">
+                <a16:creationId xmlns:a16="http://schemas.microsoft.com/office/drawing/2014/main" id="{DAAD38FE-4972-8B41-B58E-0394F20C2853}"/>
+              </a:ext>
+            </a:extLst>
+          </p:cNvPr>
+          <p:cNvSpPr txBox="1"/>
+          <p:nvPr/>
+        </p:nvSpPr>
+        <p:spPr>
+          <a:xfrm>
+            <a:off x="1202076" y="4058292"/>
+            <a:ext cx="5640513" cy="923330"/>
+          </a:xfrm>
+          <a:prstGeom prst="rect">
+            <a:avLst/>
+          </a:prstGeom>
+          <a:noFill/>
+        </p:spPr>
+        <p:txBody>
+          <a:bodyPr wrap="square" rtlCol="0">
+            <a:spAutoFit/>
+          </a:bodyPr>
+          <a:lstStyle/>
+          <a:p>
+            <a:r>
+              <a:rPr lang="en-US" dirty="0"/>
+              <a:t>Modified values from UI element must be updated in state. Subscribe an event on UI element to set(or update) the state </a:t>
+            </a:r>
+            <a:r>
+              <a:rPr lang="en-US"/>
+              <a:t>of state </a:t>
+            </a:r>
+            <a:r>
+              <a:rPr lang="en-US" dirty="0"/>
+              <a:t>property </a:t>
+            </a:r>
+            <a:r>
+              <a:rPr lang="en-US" dirty="0" err="1"/>
+              <a:t>explicitely</a:t>
+            </a:r>
+            <a:endParaRPr lang="en-US" dirty="0"/>
+          </a:p>
+        </p:txBody>
+      </p:sp>
+    </p:spTree>
+    <p:extLst>
+      <p:ext uri="{BB962C8B-B14F-4D97-AF65-F5344CB8AC3E}">
+        <p14:creationId xmlns:p14="http://schemas.microsoft.com/office/powerpoint/2010/main" val="2621709787"/>
+      </p:ext>
+    </p:extLst>
+  </p:cSld>
+  <p:clrMapOvr>
+    <a:masterClrMapping/>
+  </p:clrMapOvr>
+</p:sld>
+</file>
+
 <file path=ppt/theme/theme1.xml><?xml version="1.0" encoding="utf-8"?>
 <a:theme xmlns:a="http://schemas.openxmlformats.org/drawingml/2006/main" name="Office Theme">
   <a:themeElements>

--- a/Notes_Images.pptx
+++ b/Notes_Images.pptx
@@ -5817,12 +5817,8 @@
           <a:p>
             <a:pPr algn="ctr"/>
             <a:r>
-              <a:rPr lang="en-US"/>
-              <a:t>let </a:t>
-            </a:r>
-            <a:r>
               <a:rPr lang="en-US" dirty="0"/>
-              <a:t>obj = props.p3;</a:t>
+              <a:t>let obj = props.p3;</a:t>
             </a:r>
           </a:p>
           <a:p>
@@ -5835,6 +5831,549 @@
           <a:p>
             <a:pPr algn="ctr"/>
             <a:endParaRPr lang="en-US" dirty="0"/>
+          </a:p>
+        </p:txBody>
+      </p:sp>
+      <p:sp>
+        <p:nvSpPr>
+          <p:cNvPr id="9" name="Rectangle 8">
+            <a:extLst>
+              <a:ext uri="{FF2B5EF4-FFF2-40B4-BE49-F238E27FC236}">
+                <a16:creationId xmlns:a16="http://schemas.microsoft.com/office/drawing/2014/main" id="{8DF651B6-1E4C-404B-B934-228005602E13}"/>
+              </a:ext>
+            </a:extLst>
+          </p:cNvPr>
+          <p:cNvSpPr/>
+          <p:nvPr/>
+        </p:nvSpPr>
+        <p:spPr>
+          <a:xfrm>
+            <a:off x="4360653" y="1155940"/>
+            <a:ext cx="3821502" cy="5270739"/>
+          </a:xfrm>
+          <a:prstGeom prst="rect">
+            <a:avLst/>
+          </a:prstGeom>
+        </p:spPr>
+        <p:style>
+          <a:lnRef idx="1">
+            <a:schemeClr val="accent3"/>
+          </a:lnRef>
+          <a:fillRef idx="2">
+            <a:schemeClr val="accent3"/>
+          </a:fillRef>
+          <a:effectRef idx="1">
+            <a:schemeClr val="accent3"/>
+          </a:effectRef>
+          <a:fontRef idx="minor">
+            <a:schemeClr val="dk1"/>
+          </a:fontRef>
+        </p:style>
+        <p:txBody>
+          <a:bodyPr rtlCol="0" anchor="ctr"/>
+          <a:lstStyle/>
+          <a:p>
+            <a:pPr algn="ctr"/>
+            <a:endParaRPr lang="en-US"/>
+          </a:p>
+        </p:txBody>
+      </p:sp>
+      <p:sp>
+        <p:nvSpPr>
+          <p:cNvPr id="10" name="TextBox 9">
+            <a:extLst>
+              <a:ext uri="{FF2B5EF4-FFF2-40B4-BE49-F238E27FC236}">
+                <a16:creationId xmlns:a16="http://schemas.microsoft.com/office/drawing/2014/main" id="{F1CB9DB8-4D93-394C-B3FB-1B1CB003559D}"/>
+              </a:ext>
+            </a:extLst>
+          </p:cNvPr>
+          <p:cNvSpPr txBox="1"/>
+          <p:nvPr/>
+        </p:nvSpPr>
+        <p:spPr>
+          <a:xfrm>
+            <a:off x="4576314" y="1242204"/>
+            <a:ext cx="3312543" cy="646331"/>
+          </a:xfrm>
+          <a:prstGeom prst="rect">
+            <a:avLst/>
+          </a:prstGeom>
+          <a:noFill/>
+        </p:spPr>
+        <p:txBody>
+          <a:bodyPr wrap="square" rtlCol="0">
+            <a:spAutoFit/>
+          </a:bodyPr>
+          <a:lstStyle/>
+          <a:p>
+            <a:r>
+              <a:rPr lang="en-US" dirty="0"/>
+              <a:t>Parent Component</a:t>
+            </a:r>
+          </a:p>
+          <a:p>
+            <a:r>
+              <a:rPr lang="en-US" dirty="0"/>
+              <a:t>Props={p1,p2,p3}</a:t>
+            </a:r>
+          </a:p>
+        </p:txBody>
+      </p:sp>
+      <p:sp>
+        <p:nvSpPr>
+          <p:cNvPr id="11" name="Rounded Rectangle 10">
+            <a:extLst>
+              <a:ext uri="{FF2B5EF4-FFF2-40B4-BE49-F238E27FC236}">
+                <a16:creationId xmlns:a16="http://schemas.microsoft.com/office/drawing/2014/main" id="{DFAD5667-38D8-4B41-BB87-8CF602704B67}"/>
+              </a:ext>
+            </a:extLst>
+          </p:cNvPr>
+          <p:cNvSpPr/>
+          <p:nvPr/>
+        </p:nvSpPr>
+        <p:spPr>
+          <a:xfrm>
+            <a:off x="4576314" y="1889185"/>
+            <a:ext cx="3428999" cy="4157932"/>
+          </a:xfrm>
+          <a:prstGeom prst="roundRect">
+            <a:avLst/>
+          </a:prstGeom>
+        </p:spPr>
+        <p:style>
+          <a:lnRef idx="2">
+            <a:schemeClr val="accent1">
+              <a:shade val="50000"/>
+            </a:schemeClr>
+          </a:lnRef>
+          <a:fillRef idx="1">
+            <a:schemeClr val="accent1"/>
+          </a:fillRef>
+          <a:effectRef idx="0">
+            <a:schemeClr val="accent1"/>
+          </a:effectRef>
+          <a:fontRef idx="minor">
+            <a:schemeClr val="lt1"/>
+          </a:fontRef>
+        </p:style>
+        <p:txBody>
+          <a:bodyPr rtlCol="0" anchor="ctr"/>
+          <a:lstStyle/>
+          <a:p>
+            <a:pPr algn="ctr"/>
+            <a:endParaRPr lang="en-US" dirty="0"/>
+          </a:p>
+          <a:p>
+            <a:pPr algn="ctr"/>
+            <a:r>
+              <a:rPr lang="en-US" dirty="0"/>
+              <a:t>Child 1</a:t>
+            </a:r>
+          </a:p>
+          <a:p>
+            <a:pPr algn="ctr"/>
+            <a:r>
+              <a:rPr lang="en-US" dirty="0"/>
+              <a:t>Props = {x1}</a:t>
+            </a:r>
+          </a:p>
+          <a:p>
+            <a:pPr algn="ctr"/>
+            <a:r>
+              <a:rPr lang="en-US" dirty="0"/>
+              <a:t> </a:t>
+            </a:r>
+          </a:p>
+          <a:p>
+            <a:pPr algn="ctr"/>
+            <a:endParaRPr lang="en-US" dirty="0"/>
+          </a:p>
+          <a:p>
+            <a:pPr algn="ctr"/>
+            <a:endParaRPr lang="en-US" dirty="0"/>
+          </a:p>
+          <a:p>
+            <a:pPr algn="ctr"/>
+            <a:endParaRPr lang="en-US" dirty="0"/>
+          </a:p>
+          <a:p>
+            <a:pPr algn="ctr"/>
+            <a:endParaRPr lang="en-US" dirty="0"/>
+          </a:p>
+          <a:p>
+            <a:pPr algn="ctr"/>
+            <a:endParaRPr lang="en-US" dirty="0"/>
+          </a:p>
+          <a:p>
+            <a:pPr algn="ctr"/>
+            <a:endParaRPr lang="en-US" dirty="0"/>
+          </a:p>
+          <a:p>
+            <a:pPr algn="ctr"/>
+            <a:endParaRPr lang="en-US" dirty="0"/>
+          </a:p>
+          <a:p>
+            <a:pPr algn="ctr"/>
+            <a:endParaRPr lang="en-US" dirty="0"/>
+          </a:p>
+          <a:p>
+            <a:pPr algn="ctr"/>
+            <a:endParaRPr lang="en-US" dirty="0"/>
+          </a:p>
+          <a:p>
+            <a:pPr algn="ctr"/>
+            <a:endParaRPr lang="en-US" dirty="0"/>
+          </a:p>
+          <a:p>
+            <a:pPr algn="ctr"/>
+            <a:endParaRPr lang="en-US" dirty="0"/>
+          </a:p>
+          <a:p>
+            <a:pPr algn="ctr"/>
+            <a:endParaRPr lang="en-US" dirty="0"/>
+          </a:p>
+          <a:p>
+            <a:pPr algn="ctr"/>
+            <a:r>
+              <a:rPr lang="en-US" dirty="0"/>
+              <a:t> </a:t>
+            </a:r>
+          </a:p>
+        </p:txBody>
+      </p:sp>
+      <p:sp>
+        <p:nvSpPr>
+          <p:cNvPr id="12" name="Rounded Rectangle 11">
+            <a:extLst>
+              <a:ext uri="{FF2B5EF4-FFF2-40B4-BE49-F238E27FC236}">
+                <a16:creationId xmlns:a16="http://schemas.microsoft.com/office/drawing/2014/main" id="{9DF8ADF6-C58B-7A41-B3EF-FA569A584ED8}"/>
+              </a:ext>
+            </a:extLst>
+          </p:cNvPr>
+          <p:cNvSpPr/>
+          <p:nvPr/>
+        </p:nvSpPr>
+        <p:spPr>
+          <a:xfrm>
+            <a:off x="4735902" y="2524981"/>
+            <a:ext cx="3191773" cy="1190445"/>
+          </a:xfrm>
+          <a:prstGeom prst="roundRect">
+            <a:avLst/>
+          </a:prstGeom>
+        </p:spPr>
+        <p:style>
+          <a:lnRef idx="2">
+            <a:schemeClr val="dk1">
+              <a:shade val="50000"/>
+            </a:schemeClr>
+          </a:lnRef>
+          <a:fillRef idx="1">
+            <a:schemeClr val="dk1"/>
+          </a:fillRef>
+          <a:effectRef idx="0">
+            <a:schemeClr val="dk1"/>
+          </a:effectRef>
+          <a:fontRef idx="minor">
+            <a:schemeClr val="lt1"/>
+          </a:fontRef>
+        </p:style>
+        <p:txBody>
+          <a:bodyPr rtlCol="0" anchor="ctr"/>
+          <a:lstStyle/>
+          <a:p>
+            <a:pPr algn="ctr"/>
+            <a:r>
+              <a:rPr lang="en-US" dirty="0"/>
+              <a:t>Child 11</a:t>
+            </a:r>
+          </a:p>
+          <a:p>
+            <a:pPr algn="ctr"/>
+            <a:r>
+              <a:rPr lang="en-US" dirty="0"/>
+              <a:t>Props={p1,p2,p3,x1} </a:t>
+            </a:r>
+          </a:p>
+          <a:p>
+            <a:pPr algn="ctr"/>
+            <a:r>
+              <a:rPr lang="en-US" dirty="0"/>
+              <a:t> </a:t>
+            </a:r>
+          </a:p>
+          <a:p>
+            <a:pPr algn="ctr"/>
+            <a:endParaRPr lang="en-US" dirty="0"/>
+          </a:p>
+        </p:txBody>
+      </p:sp>
+      <p:sp>
+        <p:nvSpPr>
+          <p:cNvPr id="13" name="Rounded Rectangle 12">
+            <a:extLst>
+              <a:ext uri="{FF2B5EF4-FFF2-40B4-BE49-F238E27FC236}">
+                <a16:creationId xmlns:a16="http://schemas.microsoft.com/office/drawing/2014/main" id="{6429F9F1-8D27-4042-A5B4-36547C8B9944}"/>
+              </a:ext>
+            </a:extLst>
+          </p:cNvPr>
+          <p:cNvSpPr/>
+          <p:nvPr/>
+        </p:nvSpPr>
+        <p:spPr>
+          <a:xfrm>
+            <a:off x="4735902" y="4094988"/>
+            <a:ext cx="3191773" cy="1190445"/>
+          </a:xfrm>
+          <a:prstGeom prst="roundRect">
+            <a:avLst/>
+          </a:prstGeom>
+        </p:spPr>
+        <p:style>
+          <a:lnRef idx="2">
+            <a:schemeClr val="accent2">
+              <a:shade val="50000"/>
+            </a:schemeClr>
+          </a:lnRef>
+          <a:fillRef idx="1">
+            <a:schemeClr val="accent2"/>
+          </a:fillRef>
+          <a:effectRef idx="0">
+            <a:schemeClr val="accent2"/>
+          </a:effectRef>
+          <a:fontRef idx="minor">
+            <a:schemeClr val="lt1"/>
+          </a:fontRef>
+        </p:style>
+        <p:txBody>
+          <a:bodyPr rtlCol="0" anchor="ctr"/>
+          <a:lstStyle/>
+          <a:p>
+            <a:pPr algn="ctr"/>
+            <a:r>
+              <a:rPr lang="en-US" dirty="0"/>
+              <a:t>Child 12</a:t>
+            </a:r>
+          </a:p>
+          <a:p>
+            <a:pPr algn="ctr"/>
+            <a:r>
+              <a:rPr lang="en-US" dirty="0"/>
+              <a:t>Props={p1,p2,p3,x1} </a:t>
+            </a:r>
+          </a:p>
+          <a:p>
+            <a:pPr algn="ctr"/>
+            <a:endParaRPr lang="en-US" dirty="0"/>
+          </a:p>
+        </p:txBody>
+      </p:sp>
+      <p:sp>
+        <p:nvSpPr>
+          <p:cNvPr id="14" name="TextBox 13">
+            <a:extLst>
+              <a:ext uri="{FF2B5EF4-FFF2-40B4-BE49-F238E27FC236}">
+                <a16:creationId xmlns:a16="http://schemas.microsoft.com/office/drawing/2014/main" id="{4AD145A6-6ADD-8C49-AD55-A64D4B1DE380}"/>
+              </a:ext>
+            </a:extLst>
+          </p:cNvPr>
+          <p:cNvSpPr txBox="1"/>
+          <p:nvPr/>
+        </p:nvSpPr>
+        <p:spPr>
+          <a:xfrm>
+            <a:off x="4774721" y="614481"/>
+            <a:ext cx="3114136" cy="369332"/>
+          </a:xfrm>
+          <a:prstGeom prst="rect">
+            <a:avLst/>
+          </a:prstGeom>
+          <a:noFill/>
+        </p:spPr>
+        <p:txBody>
+          <a:bodyPr wrap="square" rtlCol="0">
+            <a:spAutoFit/>
+          </a:bodyPr>
+          <a:lstStyle/>
+          <a:p>
+            <a:r>
+              <a:rPr lang="en-US" dirty="0"/>
+              <a:t>Using props</a:t>
+            </a:r>
+          </a:p>
+        </p:txBody>
+      </p:sp>
+      <p:sp>
+        <p:nvSpPr>
+          <p:cNvPr id="15" name="Rectangle 14">
+            <a:extLst>
+              <a:ext uri="{FF2B5EF4-FFF2-40B4-BE49-F238E27FC236}">
+                <a16:creationId xmlns:a16="http://schemas.microsoft.com/office/drawing/2014/main" id="{57CD93FF-0358-FC4F-ACD4-577164D2A250}"/>
+              </a:ext>
+            </a:extLst>
+          </p:cNvPr>
+          <p:cNvSpPr/>
+          <p:nvPr/>
+        </p:nvSpPr>
+        <p:spPr>
+          <a:xfrm>
+            <a:off x="8472577" y="1190848"/>
+            <a:ext cx="3821502" cy="5270739"/>
+          </a:xfrm>
+          <a:prstGeom prst="rect">
+            <a:avLst/>
+          </a:prstGeom>
+        </p:spPr>
+        <p:style>
+          <a:lnRef idx="1">
+            <a:schemeClr val="accent3"/>
+          </a:lnRef>
+          <a:fillRef idx="2">
+            <a:schemeClr val="accent3"/>
+          </a:fillRef>
+          <a:effectRef idx="1">
+            <a:schemeClr val="accent3"/>
+          </a:effectRef>
+          <a:fontRef idx="minor">
+            <a:schemeClr val="dk1"/>
+          </a:fontRef>
+        </p:style>
+        <p:txBody>
+          <a:bodyPr rtlCol="0" anchor="ctr"/>
+          <a:lstStyle/>
+          <a:p>
+            <a:pPr algn="ctr"/>
+            <a:endParaRPr lang="en-US"/>
+          </a:p>
+        </p:txBody>
+      </p:sp>
+      <p:sp>
+        <p:nvSpPr>
+          <p:cNvPr id="16" name="TextBox 15">
+            <a:extLst>
+              <a:ext uri="{FF2B5EF4-FFF2-40B4-BE49-F238E27FC236}">
+                <a16:creationId xmlns:a16="http://schemas.microsoft.com/office/drawing/2014/main" id="{BD121178-351F-E347-BAD5-CF951AD69132}"/>
+              </a:ext>
+            </a:extLst>
+          </p:cNvPr>
+          <p:cNvSpPr txBox="1"/>
+          <p:nvPr/>
+        </p:nvSpPr>
+        <p:spPr>
+          <a:xfrm>
+            <a:off x="8688238" y="1277112"/>
+            <a:ext cx="3312543" cy="923330"/>
+          </a:xfrm>
+          <a:prstGeom prst="rect">
+            <a:avLst/>
+          </a:prstGeom>
+          <a:noFill/>
+        </p:spPr>
+        <p:txBody>
+          <a:bodyPr wrap="square" rtlCol="0">
+            <a:spAutoFit/>
+          </a:bodyPr>
+          <a:lstStyle/>
+          <a:p>
+            <a:r>
+              <a:rPr lang="en-US" dirty="0"/>
+              <a:t>Parent Component</a:t>
+            </a:r>
+          </a:p>
+          <a:p>
+            <a:r>
+              <a:rPr lang="en-US" dirty="0" err="1"/>
+              <a:t>Context.provider</a:t>
+            </a:r>
+            <a:r>
+              <a:rPr lang="en-US" dirty="0"/>
+              <a:t> value={v1}</a:t>
+            </a:r>
+          </a:p>
+          <a:p>
+            <a:r>
+              <a:rPr lang="en-US" dirty="0"/>
+              <a:t>	&lt;Child1/&gt;	</a:t>
+            </a:r>
+          </a:p>
+        </p:txBody>
+      </p:sp>
+      <p:sp>
+        <p:nvSpPr>
+          <p:cNvPr id="20" name="Rounded Rectangle 19">
+            <a:extLst>
+              <a:ext uri="{FF2B5EF4-FFF2-40B4-BE49-F238E27FC236}">
+                <a16:creationId xmlns:a16="http://schemas.microsoft.com/office/drawing/2014/main" id="{BEB294B3-8484-A843-970B-E5C71773A42E}"/>
+              </a:ext>
+            </a:extLst>
+          </p:cNvPr>
+          <p:cNvSpPr/>
+          <p:nvPr/>
+        </p:nvSpPr>
+        <p:spPr>
+          <a:xfrm>
+            <a:off x="8748622" y="2249968"/>
+            <a:ext cx="3191773" cy="1190445"/>
+          </a:xfrm>
+          <a:prstGeom prst="roundRect">
+            <a:avLst/>
+          </a:prstGeom>
+        </p:spPr>
+        <p:style>
+          <a:lnRef idx="2">
+            <a:schemeClr val="accent1">
+              <a:shade val="50000"/>
+            </a:schemeClr>
+          </a:lnRef>
+          <a:fillRef idx="1">
+            <a:schemeClr val="accent1"/>
+          </a:fillRef>
+          <a:effectRef idx="0">
+            <a:schemeClr val="accent1"/>
+          </a:effectRef>
+          <a:fontRef idx="minor">
+            <a:schemeClr val="lt1"/>
+          </a:fontRef>
+        </p:style>
+        <p:txBody>
+          <a:bodyPr rtlCol="0" anchor="ctr"/>
+          <a:lstStyle/>
+          <a:p>
+            <a:pPr algn="ctr"/>
+            <a:r>
+              <a:rPr lang="en-US" dirty="0"/>
+              <a:t>Child 1</a:t>
+            </a:r>
+          </a:p>
+          <a:p>
+            <a:pPr algn="ctr"/>
+            <a:r>
+              <a:rPr lang="en-US" dirty="0"/>
+              <a:t>Const dc = </a:t>
+            </a:r>
+            <a:r>
+              <a:rPr lang="en-US" dirty="0" err="1"/>
+              <a:t>useContext</a:t>
+            </a:r>
+            <a:r>
+              <a:rPr lang="en-US" dirty="0"/>
+              <a:t>(Context)</a:t>
+            </a:r>
+          </a:p>
+          <a:p>
+            <a:pPr algn="ctr"/>
+            <a:r>
+              <a:rPr lang="en-US"/>
+              <a:t>Only access to v1</a:t>
+            </a:r>
+            <a:endParaRPr lang="en-US" dirty="0"/>
+          </a:p>
+          <a:p>
+            <a:pPr algn="ctr"/>
+            <a:r>
+              <a:rPr lang="en-US" dirty="0"/>
+              <a:t> </a:t>
+            </a:r>
           </a:p>
         </p:txBody>
       </p:sp>
